--- a/T1 - Java/Tentamenförberedelse_java_1.0.pptx
+++ b/T1 - Java/Tentamenförberedelse_java_1.0.pptx
@@ -320,7 +320,7 @@
             <a:fld id="{AF53FA3B-A911-4294-9666-9D8A5388C07E}" type="datetimeFigureOut">
               <a:rPr lang="sv-SE" smtClean="0"/>
               <a:pPr/>
-              <a:t>2014-12-03</a:t>
+              <a:t>2015-01-07</a:t>
             </a:fld>
             <a:endParaRPr lang="sv-SE" dirty="0"/>
           </a:p>
@@ -402,6 +402,66 @@
   </p:cSld>
   <p:clrMap bg1="lt1" tx1="dk1" bg2="lt2" tx2="dk2" accent1="accent1" accent2="accent2" accent3="accent3" accent4="accent4" accent5="accent5" accent6="accent6" hlink="hlink" folHlink="folHlink"/>
 </p:handoutMaster>
+</file>
+
+<file path=ppt/ink/ink1.xml><?xml version="1.0" encoding="utf-8"?>
+<inkml:ink xmlns:inkml="http://www.w3.org/2003/InkML">
+  <inkml:definitions>
+    <inkml:context xml:id="ctx0">
+      <inkml:inkSource xml:id="inkSrc0">
+        <inkml:traceFormat>
+          <inkml:channel name="X" type="integer" max="2944" units="cm"/>
+          <inkml:channel name="Y" type="integer" max="1080" units="cm"/>
+          <inkml:channel name="T" type="integer" max="2.14748E9" units="dev"/>
+        </inkml:traceFormat>
+        <inkml:channelProperties>
+          <inkml:channelProperty channel="X" name="resolution" value="104.39716" units="1/cm"/>
+          <inkml:channelProperty channel="Y" name="resolution" value="65.45454" units="1/cm"/>
+          <inkml:channelProperty channel="T" name="resolution" value="1" units="1/dev"/>
+        </inkml:channelProperties>
+      </inkml:inkSource>
+      <inkml:timestamp xml:id="ts0" timeString="2015-01-07T14:33:58.812"/>
+    </inkml:context>
+    <inkml:brush xml:id="br0">
+      <inkml:brushProperty name="width" value="0.05292" units="cm"/>
+      <inkml:brushProperty name="height" value="0.05292" units="cm"/>
+      <inkml:brushProperty name="color" value="#FF0000"/>
+    </inkml:brush>
+  </inkml:definitions>
+  <inkml:trace contextRef="#ctx0" brushRef="#br0">13692 8594 0,'-95'23'172,"24"25"-156,-1-24-16,-23 23 15,23 25 1,-47-25 0,48 25-1,23-25-15,-23-23 16,23 24-1,24-24 1,-71 23 0,48 25-16,-1-48 15,0 23 1,-23-47 0,23 48-1,-23-1-15,-1-23 16,-23 48-1,48-25 1,-1 1 0,48 23-16,0-47 15,0 0 1,0 0 0,24 23-1,23-23 1,25 24-16,-1-1 15,48-23 1,-23 0 0,46-24-1,1 0 1,48 0-16,-1 0 16,1 0-1,23 0 1,-95 0-1,0 0-15,-47 0 16,-25 0 0,1 0-1,-24 0 1,23-24-16,-23 0 16,0-23-1,24-25 1,-1 1-1,-47-1 1,24 1-16,0 0 16,-24-25-1,0 25 1,0 0 0,0-1-16,-24 1 15,24-1 1,0 25-1,-24 23 1,-23-24-16,23 24 16,-24 1-1,1-25 1,-25 24 0,24-23-1,25 23-15,-25 24 16,48-24-1,-24 24 1,-23-24 0,23 24-16,0 0 15,-24-24 1,48 1 0,-23 23-1,-1-24-15,0 24 16,0-24-1,-24 0 1,25 24 0,-1 0-1,-24-24-15,48 1 16,-24 23 0,1 0-1,-1-24 1,0 24-1,24-24-15,0 48 63,0 0-47,0 23-1</inkml:trace>
+  <inkml:trace contextRef="#ctx0" brushRef="#br0" timeOffset="197124.6736">13168 9189 0,'0'24'171,"0"-1"-155,0 1-16,0 24 16,0-24-1,0-1 1,0 25 0,0-24-1,0 23 1,0-23 15,0 0 0,24 0-15,-24 0 15,24-24-15,0 0 15,-24-24-15,24 0-1,-1 0 1,-23-23-16,48 47 16,-24-24-1,24 0 1,-1 0-1,-23 24-15,0 0 16,0-24 0,-1 24 15,1 0 0,0 0 79</inkml:trace>
+  <inkml:trace contextRef="#ctx0" brushRef="#br0" timeOffset="198484.1176">13621 9165 0,'0'24'156,"0"23"-140,0-23 0,0 0-1,-24 24 17,24-1-17,0-23 1,0 0-1,0 0 1,0-1 15,0 1 1,0 24-17,0-24 16,0-1 1,24-23-17,-24 24 1,0 0 0,0 0-1,0 0 32,0-1-31,0 1 15,24-24-15,-24 24 15,23-24 0,-23 24 0,0 0 1,24-24-17</inkml:trace>
+</inkml:ink>
+</file>
+
+<file path=ppt/ink/ink2.xml><?xml version="1.0" encoding="utf-8"?>
+<inkml:ink xmlns:inkml="http://www.w3.org/2003/InkML">
+  <inkml:definitions>
+    <inkml:context xml:id="ctx0">
+      <inkml:inkSource xml:id="inkSrc0">
+        <inkml:traceFormat>
+          <inkml:channel name="X" type="integer" max="2944" units="cm"/>
+          <inkml:channel name="Y" type="integer" max="1080" units="cm"/>
+          <inkml:channel name="T" type="integer" max="2.14748E9" units="dev"/>
+        </inkml:traceFormat>
+        <inkml:channelProperties>
+          <inkml:channelProperty channel="X" name="resolution" value="104.39716" units="1/cm"/>
+          <inkml:channelProperty channel="Y" name="resolution" value="65.45454" units="1/cm"/>
+          <inkml:channelProperty channel="T" name="resolution" value="1" units="1/dev"/>
+        </inkml:channelProperties>
+      </inkml:inkSource>
+      <inkml:timestamp xml:id="ts0" timeString="2015-01-07T14:38:21.524"/>
+    </inkml:context>
+    <inkml:brush xml:id="br0">
+      <inkml:brushProperty name="width" value="0.05292" units="cm"/>
+      <inkml:brushProperty name="height" value="0.05292" units="cm"/>
+      <inkml:brushProperty name="color" value="#FF0000"/>
+    </inkml:brush>
+  </inkml:definitions>
+  <inkml:trace contextRef="#ctx0" brushRef="#br0">1857 8308 0,'96'0'140,"70"0"-124,-23 24 0,0-24-1,24 24-15,0-24 16,23 23 0,48 1-1,0 0 1,0-24-1,-23 24 1,23-24-16,-24 0 16,0 0-1,25 0 1,-49 0 0,1 0-16,-49 0 15,25 0 1,0 0-1,23-24 1,-23 24-16,-24 0 16,24 0-1,-25 0 1,-22 0 0,-25 0-1,-24 0-15,1 0 16,-1 0-1,-47 0 1,0 0 0,0 0-1,-1 0 1,1 0 31,0 0 0,0 0-32,23 0 1,1 0 0,23 0-1,-23 0 1,-24-24-16,24 24 15,-25 0 32,1 0 0</inkml:trace>
+  <inkml:trace contextRef="#ctx0" brushRef="#br0" timeOffset="22117.7232">595 7570 0,'24'0'172,"24"24"-156,-24 23-1,-1-23-15,25 0 16,-24 0 0,24 0-1,-48 23 1,23-47 0,1 48-16,0-48 15,-24 24 1,48-24-1,-48 23-15,23 1 16,25-24 0,-24 0-1,0 24 1,23-24-16,-23 24 16,0-24-1,-48-24 157,24 0-156,-24 24 15,24-24-15,-24 24-16,1-47 15,-25 23 1,48 0-1,-48-23 1,25 23 0,23 0 15,-24 0-15,0 24-1,24-24 1</inkml:trace>
+  <inkml:trace contextRef="#ctx0" brushRef="#br0" timeOffset="23383.3916">1095 7927 0,'-23'0'172,"-1"0"-125,0 0 0,0 0-16,0 0-15,1 0 15,-1 0-15,0 0-1,0 0 1,0 24 15,24 0-15,0-1 15,-23-23-15,23 24 15,-24-24 0,0 0-15,0 0 15,0 0 0</inkml:trace>
+</inkml:ink>
 </file>
 
 <file path=ppt/notesMasters/notesMaster1.xml><?xml version="1.0" encoding="utf-8"?>
@@ -487,7 +547,7 @@
             <a:fld id="{DAAF5E47-94AA-AA43-B08E-C5A5421011EB}" type="datetimeFigureOut">
               <a:rPr lang="sv-SE" smtClean="0"/>
               <a:pPr/>
-              <a:t>2014-12-03</a:t>
+              <a:t>2015-01-07</a:t>
             </a:fld>
             <a:endParaRPr lang="sv-SE" dirty="0"/>
           </a:p>
@@ -16868,6 +16928,45 @@
           </a:prstGeom>
         </p:spPr>
       </p:pic>
+      <mc:AlternateContent xmlns:mc="http://schemas.openxmlformats.org/markup-compatibility/2006">
+        <mc:Choice xmlns:p14="http://schemas.microsoft.com/office/powerpoint/2010/main" Requires="p14">
+          <p:contentPart p14:bwMode="auto" r:id="rId3">
+            <p14:nvContentPartPr>
+              <p14:cNvPr id="4" name="Ink 3"/>
+              <p14:cNvContentPartPr/>
+              <p14:nvPr/>
+            </p14:nvContentPartPr>
+            <p14:xfrm>
+              <a:off x="4397760" y="3033720"/>
+              <a:ext cx="780480" cy="531720"/>
+            </p14:xfrm>
+          </p:contentPart>
+        </mc:Choice>
+        <mc:Fallback>
+          <p:pic>
+            <p:nvPicPr>
+              <p:cNvPr id="4" name="Ink 3"/>
+              <p:cNvPicPr/>
+              <p:nvPr/>
+            </p:nvPicPr>
+            <p:blipFill>
+              <a:blip r:embed="rId4"/>
+              <a:stretch>
+                <a:fillRect/>
+              </a:stretch>
+            </p:blipFill>
+            <p:spPr>
+              <a:xfrm>
+                <a:off x="4388400" y="3024360"/>
+                <a:ext cx="799200" cy="550440"/>
+              </a:xfrm>
+              <a:prstGeom prst="rect">
+                <a:avLst/>
+              </a:prstGeom>
+            </p:spPr>
+          </p:pic>
+        </mc:Fallback>
+      </mc:AlternateContent>
     </p:spTree>
     <p:extLst>
       <p:ext uri="{BB962C8B-B14F-4D97-AF65-F5344CB8AC3E}">
@@ -18179,6 +18278,45 @@
           </a:p>
         </p:txBody>
       </p:sp>
+      <mc:AlternateContent xmlns:mc="http://schemas.openxmlformats.org/markup-compatibility/2006">
+        <mc:Choice xmlns:p14="http://schemas.microsoft.com/office/powerpoint/2010/main" Requires="p14">
+          <p:contentPart p14:bwMode="auto" r:id="rId3">
+            <p14:nvContentPartPr>
+              <p14:cNvPr id="3" name="Ink 2"/>
+              <p14:cNvContentPartPr/>
+              <p14:nvPr/>
+            </p14:nvContentPartPr>
+            <p14:xfrm>
+              <a:off x="214200" y="2725200"/>
+              <a:ext cx="2435040" cy="317520"/>
+            </p14:xfrm>
+          </p:contentPart>
+        </mc:Choice>
+        <mc:Fallback>
+          <p:pic>
+            <p:nvPicPr>
+              <p:cNvPr id="3" name="Ink 2"/>
+              <p:cNvPicPr/>
+              <p:nvPr/>
+            </p:nvPicPr>
+            <p:blipFill>
+              <a:blip r:embed="rId4"/>
+              <a:stretch>
+                <a:fillRect/>
+              </a:stretch>
+            </p:blipFill>
+            <p:spPr>
+              <a:xfrm>
+                <a:off x="204840" y="2715840"/>
+                <a:ext cx="2453760" cy="336240"/>
+              </a:xfrm>
+              <a:prstGeom prst="rect">
+                <a:avLst/>
+              </a:prstGeom>
+            </p:spPr>
+          </p:pic>
+        </mc:Fallback>
+      </mc:AlternateContent>
     </p:spTree>
     <p:extLst>
       <p:ext uri="{BB962C8B-B14F-4D97-AF65-F5344CB8AC3E}">
@@ -31339,11 +31477,6 @@
               </a:rPr>
               <a:t>[”Hipp”, ”Hipp"]</a:t>
             </a:r>
-            <a:endParaRPr lang="sv-SE" sz="1200" b="0" dirty="0" smtClean="0">
-              <a:solidFill>
-                <a:schemeClr val="tx2"/>
-              </a:solidFill>
-            </a:endParaRPr>
           </a:p>
         </p:txBody>
       </p:sp>
@@ -31377,11 +31510,6 @@
               </a:rPr>
               <a:t>SEN SKRIVER DEN UT SAMMA SAK</a:t>
             </a:r>
-            <a:endParaRPr lang="sv-SE" sz="1200" b="0" dirty="0" smtClean="0">
-              <a:solidFill>
-                <a:schemeClr val="tx2"/>
-              </a:solidFill>
-            </a:endParaRPr>
           </a:p>
         </p:txBody>
       </p:sp>
